--- a/LAMP/Documents/PPT.pptx
+++ b/LAMP/Documents/PPT.pptx
@@ -111,6 +111,11 @@
       </a:defRPr>
     </a:lvl9pPr>
   </p:defaultTextStyle>
+  <p:extLst>
+    <p:ext uri="{EFAFB233-063F-42B5-8137-9DF3F51BA10A}">
+      <p15:sldGuideLst xmlns:p15="http://schemas.microsoft.com/office/powerpoint/2012/main"/>
+    </p:ext>
+  </p:extLst>
 </p:presentation>
 </file>
 

--- a/LAMP/Documents/PPT.pptx
+++ b/LAMP/Documents/PPT.pptx
@@ -268,7 +268,7 @@
           <a:p>
             <a:fld id="{7E7F7C8B-26CA-4819-8108-31D8EDB3DA4F}" type="datetimeFigureOut">
               <a:rPr lang="de-CH" smtClean="0"/>
-              <a:t>07.12.2020</a:t>
+              <a:t>21.12.2020</a:t>
             </a:fld>
             <a:endParaRPr lang="de-CH"/>
           </a:p>
@@ -468,7 +468,7 @@
           <a:p>
             <a:fld id="{7E7F7C8B-26CA-4819-8108-31D8EDB3DA4F}" type="datetimeFigureOut">
               <a:rPr lang="de-CH" smtClean="0"/>
-              <a:t>07.12.2020</a:t>
+              <a:t>21.12.2020</a:t>
             </a:fld>
             <a:endParaRPr lang="de-CH"/>
           </a:p>
@@ -678,7 +678,7 @@
           <a:p>
             <a:fld id="{7E7F7C8B-26CA-4819-8108-31D8EDB3DA4F}" type="datetimeFigureOut">
               <a:rPr lang="de-CH" smtClean="0"/>
-              <a:t>07.12.2020</a:t>
+              <a:t>21.12.2020</a:t>
             </a:fld>
             <a:endParaRPr lang="de-CH"/>
           </a:p>
@@ -878,7 +878,7 @@
           <a:p>
             <a:fld id="{7E7F7C8B-26CA-4819-8108-31D8EDB3DA4F}" type="datetimeFigureOut">
               <a:rPr lang="de-CH" smtClean="0"/>
-              <a:t>07.12.2020</a:t>
+              <a:t>21.12.2020</a:t>
             </a:fld>
             <a:endParaRPr lang="de-CH"/>
           </a:p>
@@ -1154,7 +1154,7 @@
           <a:p>
             <a:fld id="{7E7F7C8B-26CA-4819-8108-31D8EDB3DA4F}" type="datetimeFigureOut">
               <a:rPr lang="de-CH" smtClean="0"/>
-              <a:t>07.12.2020</a:t>
+              <a:t>21.12.2020</a:t>
             </a:fld>
             <a:endParaRPr lang="de-CH"/>
           </a:p>
@@ -1422,7 +1422,7 @@
           <a:p>
             <a:fld id="{7E7F7C8B-26CA-4819-8108-31D8EDB3DA4F}" type="datetimeFigureOut">
               <a:rPr lang="de-CH" smtClean="0"/>
-              <a:t>07.12.2020</a:t>
+              <a:t>21.12.2020</a:t>
             </a:fld>
             <a:endParaRPr lang="de-CH"/>
           </a:p>
@@ -1837,7 +1837,7 @@
           <a:p>
             <a:fld id="{7E7F7C8B-26CA-4819-8108-31D8EDB3DA4F}" type="datetimeFigureOut">
               <a:rPr lang="de-CH" smtClean="0"/>
-              <a:t>07.12.2020</a:t>
+              <a:t>21.12.2020</a:t>
             </a:fld>
             <a:endParaRPr lang="de-CH"/>
           </a:p>
@@ -1979,7 +1979,7 @@
           <a:p>
             <a:fld id="{7E7F7C8B-26CA-4819-8108-31D8EDB3DA4F}" type="datetimeFigureOut">
               <a:rPr lang="de-CH" smtClean="0"/>
-              <a:t>07.12.2020</a:t>
+              <a:t>21.12.2020</a:t>
             </a:fld>
             <a:endParaRPr lang="de-CH"/>
           </a:p>
@@ -2092,7 +2092,7 @@
           <a:p>
             <a:fld id="{7E7F7C8B-26CA-4819-8108-31D8EDB3DA4F}" type="datetimeFigureOut">
               <a:rPr lang="de-CH" smtClean="0"/>
-              <a:t>07.12.2020</a:t>
+              <a:t>21.12.2020</a:t>
             </a:fld>
             <a:endParaRPr lang="de-CH"/>
           </a:p>
@@ -2405,7 +2405,7 @@
           <a:p>
             <a:fld id="{7E7F7C8B-26CA-4819-8108-31D8EDB3DA4F}" type="datetimeFigureOut">
               <a:rPr lang="de-CH" smtClean="0"/>
-              <a:t>07.12.2020</a:t>
+              <a:t>21.12.2020</a:t>
             </a:fld>
             <a:endParaRPr lang="de-CH"/>
           </a:p>
@@ -2694,7 +2694,7 @@
           <a:p>
             <a:fld id="{7E7F7C8B-26CA-4819-8108-31D8EDB3DA4F}" type="datetimeFigureOut">
               <a:rPr lang="de-CH" smtClean="0"/>
-              <a:t>07.12.2020</a:t>
+              <a:t>21.12.2020</a:t>
             </a:fld>
             <a:endParaRPr lang="de-CH"/>
           </a:p>
@@ -2937,7 +2937,7 @@
           <a:p>
             <a:fld id="{7E7F7C8B-26CA-4819-8108-31D8EDB3DA4F}" type="datetimeFigureOut">
               <a:rPr lang="de-CH" smtClean="0"/>
-              <a:t>07.12.2020</a:t>
+              <a:t>21.12.2020</a:t>
             </a:fld>
             <a:endParaRPr lang="de-CH"/>
           </a:p>
@@ -4707,7 +4707,7 @@
         </p:blipFill>
         <p:spPr>
           <a:xfrm>
-            <a:off x="1614371" y="2152243"/>
+            <a:off x="1478545" y="1900573"/>
             <a:ext cx="3571429" cy="4400000"/>
           </a:xfrm>
           <a:prstGeom prst="rect">
